--- a/presentations/Week2_forecasting.pptx
+++ b/presentations/Week2_forecasting.pptx
@@ -6,6 +6,17 @@
   </p:sldMasterIdLst>
   <p:sldIdLst>
     <p:sldId id="256" r:id="rId2"/>
+    <p:sldId id="257" r:id="rId3"/>
+    <p:sldId id="258" r:id="rId4"/>
+    <p:sldId id="264" r:id="rId5"/>
+    <p:sldId id="259" r:id="rId6"/>
+    <p:sldId id="260" r:id="rId7"/>
+    <p:sldId id="266" r:id="rId8"/>
+    <p:sldId id="261" r:id="rId9"/>
+    <p:sldId id="267" r:id="rId10"/>
+    <p:sldId id="262" r:id="rId11"/>
+    <p:sldId id="263" r:id="rId12"/>
+    <p:sldId id="265" r:id="rId13"/>
   </p:sldIdLst>
   <p:sldSz cx="12192000" cy="6858000"/>
   <p:notesSz cx="6858000" cy="9144000"/>
@@ -104,6 +115,11 @@
       </a:defRPr>
     </a:lvl9pPr>
   </p:defaultTextStyle>
+  <p:extLst>
+    <p:ext uri="{EFAFB233-063F-42B5-8137-9DF3F51BA10A}">
+      <p15:sldGuideLst xmlns:p15="http://schemas.microsoft.com/office/powerpoint/2012/main"/>
+    </p:ext>
+  </p:extLst>
 </p:presentation>
 </file>
 
@@ -4383,7 +4399,7 @@
           <a:p>
             <a:fld id="{B4DF1868-6498-B440-A742-447FE57083C8}" type="datetimeFigureOut">
               <a:rPr lang="en-US" smtClean="0"/>
-              <a:t>2/8/22</a:t>
+              <a:t>2/10/22</a:t>
             </a:fld>
             <a:endParaRPr lang="en-US"/>
           </a:p>
@@ -4650,7 +4666,7 @@
           <a:p>
             <a:fld id="{C35BB1C6-BF8F-4481-8AB2-603A1C8A906A}" type="datetimeFigureOut">
               <a:rPr lang="en-US" smtClean="0"/>
-              <a:t>2/8/22</a:t>
+              <a:t>2/10/22</a:t>
             </a:fld>
             <a:endParaRPr lang="en-US" dirty="0"/>
           </a:p>
@@ -4847,7 +4863,7 @@
           <a:p>
             <a:fld id="{C35BB1C6-BF8F-4481-8AB2-603A1C8A906A}" type="datetimeFigureOut">
               <a:rPr lang="en-US" smtClean="0"/>
-              <a:t>2/8/22</a:t>
+              <a:t>2/10/22</a:t>
             </a:fld>
             <a:endParaRPr lang="en-US" dirty="0"/>
           </a:p>
@@ -5111,7 +5127,7 @@
           <a:p>
             <a:fld id="{C35BB1C6-BF8F-4481-8AB2-603A1C8A906A}" type="datetimeFigureOut">
               <a:rPr lang="en-US" smtClean="0"/>
-              <a:t>2/8/22</a:t>
+              <a:t>2/10/22</a:t>
             </a:fld>
             <a:endParaRPr lang="en-US" dirty="0"/>
           </a:p>
@@ -5546,7 +5562,7 @@
           <a:p>
             <a:fld id="{C35BB1C6-BF8F-4481-8AB2-603A1C8A906A}" type="datetimeFigureOut">
               <a:rPr lang="en-US" smtClean="0"/>
-              <a:t>2/8/22</a:t>
+              <a:t>2/10/22</a:t>
             </a:fld>
             <a:endParaRPr lang="en-US" dirty="0"/>
           </a:p>
@@ -6093,7 +6109,7 @@
           <a:p>
             <a:fld id="{C35BB1C6-BF8F-4481-8AB2-603A1C8A906A}" type="datetimeFigureOut">
               <a:rPr lang="en-US" smtClean="0"/>
-              <a:t>2/8/22</a:t>
+              <a:t>2/10/22</a:t>
             </a:fld>
             <a:endParaRPr lang="en-US" dirty="0"/>
           </a:p>
@@ -6814,7 +6830,7 @@
           <a:p>
             <a:fld id="{C35BB1C6-BF8F-4481-8AB2-603A1C8A906A}" type="datetimeFigureOut">
               <a:rPr lang="en-US" smtClean="0"/>
-              <a:t>2/8/22</a:t>
+              <a:t>2/10/22</a:t>
             </a:fld>
             <a:endParaRPr lang="en-US" dirty="0"/>
           </a:p>
@@ -6985,7 +7001,7 @@
           <a:p>
             <a:fld id="{C35BB1C6-BF8F-4481-8AB2-603A1C8A906A}" type="datetimeFigureOut">
               <a:rPr lang="en-US" smtClean="0"/>
-              <a:t>2/8/22</a:t>
+              <a:t>2/10/22</a:t>
             </a:fld>
             <a:endParaRPr lang="en-US" dirty="0"/>
           </a:p>
@@ -7166,7 +7182,7 @@
           <a:p>
             <a:fld id="{C35BB1C6-BF8F-4481-8AB2-603A1C8A906A}" type="datetimeFigureOut">
               <a:rPr lang="en-US" smtClean="0"/>
-              <a:t>2/8/22</a:t>
+              <a:t>2/10/22</a:t>
             </a:fld>
             <a:endParaRPr lang="en-US" dirty="0"/>
           </a:p>
@@ -7337,7 +7353,7 @@
           <a:p>
             <a:fld id="{C35BB1C6-BF8F-4481-8AB2-603A1C8A906A}" type="datetimeFigureOut">
               <a:rPr lang="en-US" smtClean="0"/>
-              <a:t>2/8/22</a:t>
+              <a:t>2/10/22</a:t>
             </a:fld>
             <a:endParaRPr lang="en-US" dirty="0"/>
           </a:p>
@@ -7588,7 +7604,7 @@
           <a:p>
             <a:fld id="{0F7F47CF-67C9-420C-80A5-E2069FF0C2DF}" type="datetimeFigureOut">
               <a:rPr lang="en-US" smtClean="0"/>
-              <a:t>2/8/22</a:t>
+              <a:t>2/10/22</a:t>
             </a:fld>
             <a:endParaRPr lang="en-US" dirty="0"/>
           </a:p>
@@ -7820,7 +7836,7 @@
           <a:p>
             <a:fld id="{C35BB1C6-BF8F-4481-8AB2-603A1C8A906A}" type="datetimeFigureOut">
               <a:rPr lang="en-US" smtClean="0"/>
-              <a:t>2/8/22</a:t>
+              <a:t>2/10/22</a:t>
             </a:fld>
             <a:endParaRPr lang="en-US" dirty="0"/>
           </a:p>
@@ -8202,7 +8218,7 @@
           <a:p>
             <a:fld id="{C35BB1C6-BF8F-4481-8AB2-603A1C8A906A}" type="datetimeFigureOut">
               <a:rPr lang="en-US" smtClean="0"/>
-              <a:t>2/8/22</a:t>
+              <a:t>2/10/22</a:t>
             </a:fld>
             <a:endParaRPr lang="en-US" dirty="0"/>
           </a:p>
@@ -8321,7 +8337,7 @@
           <a:p>
             <a:fld id="{097649AC-CB8F-4FF1-9A34-5861C74DD0A7}" type="datetimeFigureOut">
               <a:rPr lang="en-US" smtClean="0"/>
-              <a:t>2/8/22</a:t>
+              <a:t>2/10/22</a:t>
             </a:fld>
             <a:endParaRPr lang="en-US" dirty="0"/>
           </a:p>
@@ -8416,7 +8432,7 @@
           <a:p>
             <a:fld id="{3EC5CECA-2D3A-4680-9B49-752200DE467C}" type="datetimeFigureOut">
               <a:rPr lang="en-US" smtClean="0"/>
-              <a:t>2/8/22</a:t>
+              <a:t>2/10/22</a:t>
             </a:fld>
             <a:endParaRPr lang="en-US" dirty="0"/>
           </a:p>
@@ -8665,7 +8681,7 @@
           <a:p>
             <a:fld id="{C35BB1C6-BF8F-4481-8AB2-603A1C8A906A}" type="datetimeFigureOut">
               <a:rPr lang="en-US" smtClean="0"/>
-              <a:t>2/8/22</a:t>
+              <a:t>2/10/22</a:t>
             </a:fld>
             <a:endParaRPr lang="en-US" dirty="0"/>
           </a:p>
@@ -8946,7 +8962,7 @@
           <a:p>
             <a:fld id="{12EF78E3-FDA3-4D28-AAA2-0B81F349A39D}" type="datetimeFigureOut">
               <a:rPr lang="en-US" smtClean="0"/>
-              <a:t>2/8/22</a:t>
+              <a:t>2/10/22</a:t>
             </a:fld>
             <a:endParaRPr lang="en-US" dirty="0"/>
           </a:p>
@@ -12023,7 +12039,7 @@
           <a:p>
             <a:fld id="{C35BB1C6-BF8F-4481-8AB2-603A1C8A906A}" type="datetimeFigureOut">
               <a:rPr lang="en-US" smtClean="0"/>
-              <a:t>2/8/22</a:t>
+              <a:t>2/10/22</a:t>
             </a:fld>
             <a:endParaRPr lang="en-US" dirty="0"/>
           </a:p>
@@ -12499,7 +12515,7 @@
           <a:p>
             <a:r>
               <a:rPr lang="en-US" dirty="0"/>
-              <a:t>WORK IN PROGRESS</a:t>
+              <a:t>02/07/22</a:t>
             </a:r>
           </a:p>
           <a:p>
@@ -12514,6 +12530,1286 @@
     <p:extLst>
       <p:ext uri="{BB962C8B-B14F-4D97-AF65-F5344CB8AC3E}">
         <p14:creationId xmlns:p14="http://schemas.microsoft.com/office/powerpoint/2010/main" val="966395762"/>
+      </p:ext>
+    </p:extLst>
+  </p:cSld>
+  <p:clrMapOvr>
+    <a:masterClrMapping/>
+  </p:clrMapOvr>
+</p:sld>
+</file>
+
+<file path=ppt/slides/slide10.xml><?xml version="1.0" encoding="utf-8"?>
+<p:sld xmlns:a="http://schemas.openxmlformats.org/drawingml/2006/main" xmlns:r="http://schemas.openxmlformats.org/officeDocument/2006/relationships" xmlns:p="http://schemas.openxmlformats.org/presentationml/2006/main">
+  <p:cSld>
+    <p:spTree>
+      <p:nvGrpSpPr>
+        <p:cNvPr id="1" name=""/>
+        <p:cNvGrpSpPr/>
+        <p:nvPr/>
+      </p:nvGrpSpPr>
+      <p:grpSpPr>
+        <a:xfrm>
+          <a:off x="0" y="0"/>
+          <a:ext cx="0" cy="0"/>
+          <a:chOff x="0" y="0"/>
+          <a:chExt cx="0" cy="0"/>
+        </a:xfrm>
+      </p:grpSpPr>
+      <p:sp>
+        <p:nvSpPr>
+          <p:cNvPr id="2" name="Title 1">
+            <a:extLst>
+              <a:ext uri="{FF2B5EF4-FFF2-40B4-BE49-F238E27FC236}">
+                <a16:creationId xmlns:a16="http://schemas.microsoft.com/office/drawing/2014/main" id="{6CE4BB89-12D0-BA4C-BCB9-7AB5685F8102}"/>
+              </a:ext>
+            </a:extLst>
+          </p:cNvPr>
+          <p:cNvSpPr>
+            <a:spLocks noGrp="1"/>
+          </p:cNvSpPr>
+          <p:nvPr>
+            <p:ph type="title"/>
+          </p:nvPr>
+        </p:nvSpPr>
+        <p:spPr/>
+        <p:txBody>
+          <a:bodyPr/>
+          <a:lstStyle/>
+          <a:p>
+            <a:r>
+              <a:rPr lang="en-US" dirty="0"/>
+              <a:t>Plot of SARIMA PREDICTIONS on bitcoin data</a:t>
+            </a:r>
+          </a:p>
+        </p:txBody>
+      </p:sp>
+      <p:pic>
+        <p:nvPicPr>
+          <p:cNvPr id="4" name="Picture 3" descr="Chart, line chart&#10;&#10;Description automatically generated">
+            <a:extLst>
+              <a:ext uri="{FF2B5EF4-FFF2-40B4-BE49-F238E27FC236}">
+                <a16:creationId xmlns:a16="http://schemas.microsoft.com/office/drawing/2014/main" id="{7BB8BB4D-45EB-D045-9FC2-A12761566DA9}"/>
+              </a:ext>
+            </a:extLst>
+          </p:cNvPr>
+          <p:cNvPicPr>
+            <a:picLocks noChangeAspect="1"/>
+          </p:cNvPicPr>
+          <p:nvPr/>
+        </p:nvPicPr>
+        <p:blipFill>
+          <a:blip r:embed="rId2"/>
+          <a:stretch>
+            <a:fillRect/>
+          </a:stretch>
+        </p:blipFill>
+        <p:spPr>
+          <a:xfrm>
+            <a:off x="0" y="1163710"/>
+            <a:ext cx="12685986" cy="5694290"/>
+          </a:xfrm>
+          <a:prstGeom prst="rect">
+            <a:avLst/>
+          </a:prstGeom>
+        </p:spPr>
+      </p:pic>
+    </p:spTree>
+    <p:extLst>
+      <p:ext uri="{BB962C8B-B14F-4D97-AF65-F5344CB8AC3E}">
+        <p14:creationId xmlns:p14="http://schemas.microsoft.com/office/powerpoint/2010/main" val="1340090131"/>
+      </p:ext>
+    </p:extLst>
+  </p:cSld>
+  <p:clrMapOvr>
+    <a:masterClrMapping/>
+  </p:clrMapOvr>
+</p:sld>
+</file>
+
+<file path=ppt/slides/slide11.xml><?xml version="1.0" encoding="utf-8"?>
+<p:sld xmlns:a="http://schemas.openxmlformats.org/drawingml/2006/main" xmlns:r="http://schemas.openxmlformats.org/officeDocument/2006/relationships" xmlns:p="http://schemas.openxmlformats.org/presentationml/2006/main">
+  <p:cSld>
+    <p:spTree>
+      <p:nvGrpSpPr>
+        <p:cNvPr id="1" name=""/>
+        <p:cNvGrpSpPr/>
+        <p:nvPr/>
+      </p:nvGrpSpPr>
+      <p:grpSpPr>
+        <a:xfrm>
+          <a:off x="0" y="0"/>
+          <a:ext cx="0" cy="0"/>
+          <a:chOff x="0" y="0"/>
+          <a:chExt cx="0" cy="0"/>
+        </a:xfrm>
+      </p:grpSpPr>
+      <p:sp>
+        <p:nvSpPr>
+          <p:cNvPr id="2" name="Title 1">
+            <a:extLst>
+              <a:ext uri="{FF2B5EF4-FFF2-40B4-BE49-F238E27FC236}">
+                <a16:creationId xmlns:a16="http://schemas.microsoft.com/office/drawing/2014/main" id="{FE2F7E28-8536-BA45-846D-6339FF09A099}"/>
+              </a:ext>
+            </a:extLst>
+          </p:cNvPr>
+          <p:cNvSpPr>
+            <a:spLocks noGrp="1"/>
+          </p:cNvSpPr>
+          <p:nvPr>
+            <p:ph type="title"/>
+          </p:nvPr>
+        </p:nvSpPr>
+        <p:spPr/>
+        <p:txBody>
+          <a:bodyPr/>
+          <a:lstStyle/>
+          <a:p>
+            <a:r>
+              <a:rPr lang="en-US" dirty="0"/>
+              <a:t>Research paper of the week	</a:t>
+            </a:r>
+          </a:p>
+        </p:txBody>
+      </p:sp>
+      <p:sp>
+        <p:nvSpPr>
+          <p:cNvPr id="3" name="Content Placeholder 2">
+            <a:extLst>
+              <a:ext uri="{FF2B5EF4-FFF2-40B4-BE49-F238E27FC236}">
+                <a16:creationId xmlns:a16="http://schemas.microsoft.com/office/drawing/2014/main" id="{18D44843-555B-0A44-B762-EA0FE8866B26}"/>
+              </a:ext>
+            </a:extLst>
+          </p:cNvPr>
+          <p:cNvSpPr>
+            <a:spLocks noGrp="1"/>
+          </p:cNvSpPr>
+          <p:nvPr>
+            <p:ph idx="1"/>
+          </p:nvPr>
+        </p:nvSpPr>
+        <p:spPr/>
+        <p:txBody>
+          <a:bodyPr/>
+          <a:lstStyle/>
+          <a:p>
+            <a:r>
+              <a:rPr lang="en-US" dirty="0"/>
+              <a:t>Selene Yue(Berkeley): Stock-Price-Forecasting</a:t>
+            </a:r>
+          </a:p>
+          <a:p>
+            <a:r>
+              <a:rPr lang="en-US" dirty="0"/>
+              <a:t>Demonstrates methods of stock price forecasting and compares each method.</a:t>
+            </a:r>
+          </a:p>
+          <a:p>
+            <a:endParaRPr lang="en-US" dirty="0"/>
+          </a:p>
+          <a:p>
+            <a:pPr marL="0" indent="0">
+              <a:buNone/>
+            </a:pPr>
+            <a:r>
+              <a:rPr lang="en-US" dirty="0"/>
+              <a:t>	</a:t>
+            </a:r>
+          </a:p>
+        </p:txBody>
+      </p:sp>
+    </p:spTree>
+    <p:extLst>
+      <p:ext uri="{BB962C8B-B14F-4D97-AF65-F5344CB8AC3E}">
+        <p14:creationId xmlns:p14="http://schemas.microsoft.com/office/powerpoint/2010/main" val="1615531146"/>
+      </p:ext>
+    </p:extLst>
+  </p:cSld>
+  <p:clrMapOvr>
+    <a:masterClrMapping/>
+  </p:clrMapOvr>
+</p:sld>
+</file>
+
+<file path=ppt/slides/slide12.xml><?xml version="1.0" encoding="utf-8"?>
+<p:sld xmlns:a="http://schemas.openxmlformats.org/drawingml/2006/main" xmlns:r="http://schemas.openxmlformats.org/officeDocument/2006/relationships" xmlns:p="http://schemas.openxmlformats.org/presentationml/2006/main">
+  <p:cSld>
+    <p:spTree>
+      <p:nvGrpSpPr>
+        <p:cNvPr id="1" name=""/>
+        <p:cNvGrpSpPr/>
+        <p:nvPr/>
+      </p:nvGrpSpPr>
+      <p:grpSpPr>
+        <a:xfrm>
+          <a:off x="0" y="0"/>
+          <a:ext cx="0" cy="0"/>
+          <a:chOff x="0" y="0"/>
+          <a:chExt cx="0" cy="0"/>
+        </a:xfrm>
+      </p:grpSpPr>
+      <p:sp>
+        <p:nvSpPr>
+          <p:cNvPr id="2" name="Title 1">
+            <a:extLst>
+              <a:ext uri="{FF2B5EF4-FFF2-40B4-BE49-F238E27FC236}">
+                <a16:creationId xmlns:a16="http://schemas.microsoft.com/office/drawing/2014/main" id="{21A14AE2-82DE-4D4C-84C0-035E8F89ADAD}"/>
+              </a:ext>
+            </a:extLst>
+          </p:cNvPr>
+          <p:cNvSpPr>
+            <a:spLocks noGrp="1"/>
+          </p:cNvSpPr>
+          <p:nvPr>
+            <p:ph type="title"/>
+          </p:nvPr>
+        </p:nvSpPr>
+        <p:spPr/>
+        <p:txBody>
+          <a:bodyPr/>
+          <a:lstStyle/>
+          <a:p>
+            <a:r>
+              <a:rPr lang="en-US" dirty="0"/>
+              <a:t>Next steps	</a:t>
+            </a:r>
+          </a:p>
+        </p:txBody>
+      </p:sp>
+      <p:sp>
+        <p:nvSpPr>
+          <p:cNvPr id="3" name="Content Placeholder 2">
+            <a:extLst>
+              <a:ext uri="{FF2B5EF4-FFF2-40B4-BE49-F238E27FC236}">
+                <a16:creationId xmlns:a16="http://schemas.microsoft.com/office/drawing/2014/main" id="{01C88E89-CAD1-ED4B-82F2-555F144A396C}"/>
+              </a:ext>
+            </a:extLst>
+          </p:cNvPr>
+          <p:cNvSpPr>
+            <a:spLocks noGrp="1"/>
+          </p:cNvSpPr>
+          <p:nvPr>
+            <p:ph idx="1"/>
+          </p:nvPr>
+        </p:nvSpPr>
+        <p:spPr/>
+        <p:txBody>
+          <a:bodyPr/>
+          <a:lstStyle/>
+          <a:p>
+            <a:r>
+              <a:rPr lang="en-US" dirty="0"/>
+              <a:t>Try to make predictions using Deep Neural Networks(LSTM, Bayesian)</a:t>
+            </a:r>
+          </a:p>
+          <a:p>
+            <a:r>
+              <a:rPr lang="en-US" dirty="0"/>
+              <a:t>Financial Technical Analysis to forecast the data.</a:t>
+            </a:r>
+          </a:p>
+          <a:p>
+            <a:r>
+              <a:rPr lang="en-US" dirty="0"/>
+              <a:t>Read more about reinforcement learning and its applications to financial data.</a:t>
+            </a:r>
+          </a:p>
+        </p:txBody>
+      </p:sp>
+    </p:spTree>
+    <p:extLst>
+      <p:ext uri="{BB962C8B-B14F-4D97-AF65-F5344CB8AC3E}">
+        <p14:creationId xmlns:p14="http://schemas.microsoft.com/office/powerpoint/2010/main" val="1744959914"/>
+      </p:ext>
+    </p:extLst>
+  </p:cSld>
+  <p:clrMapOvr>
+    <a:masterClrMapping/>
+  </p:clrMapOvr>
+</p:sld>
+</file>
+
+<file path=ppt/slides/slide2.xml><?xml version="1.0" encoding="utf-8"?>
+<p:sld xmlns:a="http://schemas.openxmlformats.org/drawingml/2006/main" xmlns:r="http://schemas.openxmlformats.org/officeDocument/2006/relationships" xmlns:p="http://schemas.openxmlformats.org/presentationml/2006/main">
+  <p:cSld>
+    <p:spTree>
+      <p:nvGrpSpPr>
+        <p:cNvPr id="1" name=""/>
+        <p:cNvGrpSpPr/>
+        <p:nvPr/>
+      </p:nvGrpSpPr>
+      <p:grpSpPr>
+        <a:xfrm>
+          <a:off x="0" y="0"/>
+          <a:ext cx="0" cy="0"/>
+          <a:chOff x="0" y="0"/>
+          <a:chExt cx="0" cy="0"/>
+        </a:xfrm>
+      </p:grpSpPr>
+      <p:sp>
+        <p:nvSpPr>
+          <p:cNvPr id="2" name="Title 1">
+            <a:extLst>
+              <a:ext uri="{FF2B5EF4-FFF2-40B4-BE49-F238E27FC236}">
+                <a16:creationId xmlns:a16="http://schemas.microsoft.com/office/drawing/2014/main" id="{85637C28-7DF8-2848-BD1E-77331CDDB45E}"/>
+              </a:ext>
+            </a:extLst>
+          </p:cNvPr>
+          <p:cNvSpPr>
+            <a:spLocks noGrp="1"/>
+          </p:cNvSpPr>
+          <p:nvPr>
+            <p:ph type="title"/>
+          </p:nvPr>
+        </p:nvSpPr>
+        <p:spPr/>
+        <p:txBody>
+          <a:bodyPr/>
+          <a:lstStyle/>
+          <a:p>
+            <a:r>
+              <a:rPr lang="en-US" dirty="0"/>
+              <a:t>Motivations</a:t>
+            </a:r>
+          </a:p>
+        </p:txBody>
+      </p:sp>
+      <p:sp>
+        <p:nvSpPr>
+          <p:cNvPr id="3" name="Content Placeholder 2">
+            <a:extLst>
+              <a:ext uri="{FF2B5EF4-FFF2-40B4-BE49-F238E27FC236}">
+                <a16:creationId xmlns:a16="http://schemas.microsoft.com/office/drawing/2014/main" id="{2A0E1CF5-B1D3-3F4D-9B84-C3EED821DBB5}"/>
+              </a:ext>
+            </a:extLst>
+          </p:cNvPr>
+          <p:cNvSpPr>
+            <a:spLocks noGrp="1"/>
+          </p:cNvSpPr>
+          <p:nvPr>
+            <p:ph idx="1"/>
+          </p:nvPr>
+        </p:nvSpPr>
+        <p:spPr/>
+        <p:txBody>
+          <a:bodyPr/>
+          <a:lstStyle/>
+          <a:p>
+            <a:r>
+              <a:rPr lang="en-US" dirty="0"/>
+              <a:t>Trying to identify trends in the equity data.</a:t>
+            </a:r>
+          </a:p>
+          <a:p>
+            <a:r>
+              <a:rPr lang="en-US" dirty="0"/>
+              <a:t>Predicting the future of the data using time series forecasting.</a:t>
+            </a:r>
+          </a:p>
+          <a:p>
+            <a:r>
+              <a:rPr lang="en-US" dirty="0"/>
+              <a:t>Better understanding the data for the next steps in the project.</a:t>
+            </a:r>
+          </a:p>
+          <a:p>
+            <a:endParaRPr lang="en-US" dirty="0"/>
+          </a:p>
+          <a:p>
+            <a:endParaRPr lang="en-US" dirty="0"/>
+          </a:p>
+          <a:p>
+            <a:endParaRPr lang="en-US" dirty="0"/>
+          </a:p>
+        </p:txBody>
+      </p:sp>
+    </p:spTree>
+    <p:extLst>
+      <p:ext uri="{BB962C8B-B14F-4D97-AF65-F5344CB8AC3E}">
+        <p14:creationId xmlns:p14="http://schemas.microsoft.com/office/powerpoint/2010/main" val="483134474"/>
+      </p:ext>
+    </p:extLst>
+  </p:cSld>
+  <p:clrMapOvr>
+    <a:masterClrMapping/>
+  </p:clrMapOvr>
+</p:sld>
+</file>
+
+<file path=ppt/slides/slide3.xml><?xml version="1.0" encoding="utf-8"?>
+<p:sld xmlns:a="http://schemas.openxmlformats.org/drawingml/2006/main" xmlns:r="http://schemas.openxmlformats.org/officeDocument/2006/relationships" xmlns:p="http://schemas.openxmlformats.org/presentationml/2006/main">
+  <p:cSld>
+    <p:spTree>
+      <p:nvGrpSpPr>
+        <p:cNvPr id="1" name=""/>
+        <p:cNvGrpSpPr/>
+        <p:nvPr/>
+      </p:nvGrpSpPr>
+      <p:grpSpPr>
+        <a:xfrm>
+          <a:off x="0" y="0"/>
+          <a:ext cx="0" cy="0"/>
+          <a:chOff x="0" y="0"/>
+          <a:chExt cx="0" cy="0"/>
+        </a:xfrm>
+      </p:grpSpPr>
+      <p:sp>
+        <p:nvSpPr>
+          <p:cNvPr id="2" name="Title 1">
+            <a:extLst>
+              <a:ext uri="{FF2B5EF4-FFF2-40B4-BE49-F238E27FC236}">
+                <a16:creationId xmlns:a16="http://schemas.microsoft.com/office/drawing/2014/main" id="{9013636A-9527-2948-B1B8-F292571B9DC5}"/>
+              </a:ext>
+            </a:extLst>
+          </p:cNvPr>
+          <p:cNvSpPr>
+            <a:spLocks noGrp="1"/>
+          </p:cNvSpPr>
+          <p:nvPr>
+            <p:ph type="title"/>
+          </p:nvPr>
+        </p:nvSpPr>
+        <p:spPr/>
+        <p:txBody>
+          <a:bodyPr/>
+          <a:lstStyle/>
+          <a:p>
+            <a:r>
+              <a:rPr lang="en-US" dirty="0"/>
+              <a:t>Smoothing based models	</a:t>
+            </a:r>
+          </a:p>
+        </p:txBody>
+      </p:sp>
+      <p:sp>
+        <p:nvSpPr>
+          <p:cNvPr id="3" name="Content Placeholder 2">
+            <a:extLst>
+              <a:ext uri="{FF2B5EF4-FFF2-40B4-BE49-F238E27FC236}">
+                <a16:creationId xmlns:a16="http://schemas.microsoft.com/office/drawing/2014/main" id="{56A44BDD-C9EC-4348-97CD-CC3701F9191C}"/>
+              </a:ext>
+            </a:extLst>
+          </p:cNvPr>
+          <p:cNvSpPr>
+            <a:spLocks noGrp="1"/>
+          </p:cNvSpPr>
+          <p:nvPr>
+            <p:ph idx="1"/>
+          </p:nvPr>
+        </p:nvSpPr>
+        <p:spPr/>
+        <p:txBody>
+          <a:bodyPr/>
+          <a:lstStyle/>
+          <a:p>
+            <a:r>
+              <a:rPr lang="en-US" dirty="0"/>
+              <a:t>Removes outliers to make patterns more visible. </a:t>
+            </a:r>
+          </a:p>
+          <a:p>
+            <a:r>
+              <a:rPr lang="en-US" dirty="0"/>
+              <a:t>Specifically, random variation in the data.</a:t>
+            </a:r>
+          </a:p>
+          <a:p>
+            <a:endParaRPr lang="en-US" dirty="0"/>
+          </a:p>
+          <a:p>
+            <a:endParaRPr lang="en-US" dirty="0"/>
+          </a:p>
+          <a:p>
+            <a:endParaRPr lang="en-US" dirty="0"/>
+          </a:p>
+        </p:txBody>
+      </p:sp>
+    </p:spTree>
+    <p:extLst>
+      <p:ext uri="{BB962C8B-B14F-4D97-AF65-F5344CB8AC3E}">
+        <p14:creationId xmlns:p14="http://schemas.microsoft.com/office/powerpoint/2010/main" val="4035513526"/>
+      </p:ext>
+    </p:extLst>
+  </p:cSld>
+  <p:clrMapOvr>
+    <a:masterClrMapping/>
+  </p:clrMapOvr>
+</p:sld>
+</file>
+
+<file path=ppt/slides/slide4.xml><?xml version="1.0" encoding="utf-8"?>
+<p:sld xmlns:a="http://schemas.openxmlformats.org/drawingml/2006/main" xmlns:r="http://schemas.openxmlformats.org/officeDocument/2006/relationships" xmlns:p="http://schemas.openxmlformats.org/presentationml/2006/main">
+  <p:cSld>
+    <p:spTree>
+      <p:nvGrpSpPr>
+        <p:cNvPr id="1" name=""/>
+        <p:cNvGrpSpPr/>
+        <p:nvPr/>
+      </p:nvGrpSpPr>
+      <p:grpSpPr>
+        <a:xfrm>
+          <a:off x="0" y="0"/>
+          <a:ext cx="0" cy="0"/>
+          <a:chOff x="0" y="0"/>
+          <a:chExt cx="0" cy="0"/>
+        </a:xfrm>
+      </p:grpSpPr>
+      <p:sp>
+        <p:nvSpPr>
+          <p:cNvPr id="3" name="Content Placeholder 2">
+            <a:extLst>
+              <a:ext uri="{FF2B5EF4-FFF2-40B4-BE49-F238E27FC236}">
+                <a16:creationId xmlns:a16="http://schemas.microsoft.com/office/drawing/2014/main" id="{D44317BC-F15C-134C-B61E-0A417A2EDA85}"/>
+              </a:ext>
+            </a:extLst>
+          </p:cNvPr>
+          <p:cNvSpPr>
+            <a:spLocks noGrp="1"/>
+          </p:cNvSpPr>
+          <p:nvPr>
+            <p:ph idx="1"/>
+          </p:nvPr>
+        </p:nvSpPr>
+        <p:spPr>
+          <a:xfrm>
+            <a:off x="1143000" y="829060"/>
+            <a:ext cx="9905999" cy="3541714"/>
+          </a:xfrm>
+        </p:spPr>
+        <p:txBody>
+          <a:bodyPr>
+            <a:normAutofit/>
+          </a:bodyPr>
+          <a:lstStyle/>
+          <a:p>
+            <a:r>
+              <a:rPr lang="en-US" dirty="0"/>
+              <a:t>Moving-average model</a:t>
+            </a:r>
+          </a:p>
+          <a:p>
+            <a:pPr lvl="1"/>
+            <a:r>
+              <a:rPr lang="en-US" dirty="0"/>
+              <a:t>Uses the window average to figure out trends in the data.</a:t>
+            </a:r>
+          </a:p>
+          <a:p>
+            <a:r>
+              <a:rPr lang="en-US" dirty="0"/>
+              <a:t>Double Exponential Smoothing Model </a:t>
+            </a:r>
+          </a:p>
+          <a:p>
+            <a:pPr lvl="1"/>
+            <a:r>
+              <a:rPr lang="en-US" dirty="0"/>
+              <a:t>Alpha: Smoothing factor for level.</a:t>
+            </a:r>
+          </a:p>
+          <a:p>
+            <a:pPr lvl="1"/>
+            <a:r>
+              <a:rPr lang="en-US" dirty="0"/>
+              <a:t>Beta: Smoothing factor for the trend.</a:t>
+            </a:r>
+          </a:p>
+          <a:p>
+            <a:pPr lvl="1"/>
+            <a:r>
+              <a:rPr lang="en-US" dirty="0"/>
+              <a:t>By using numerical optimization on these two parameters we can find the </a:t>
+            </a:r>
+          </a:p>
+          <a:p>
+            <a:pPr marL="0" indent="0">
+              <a:buNone/>
+            </a:pPr>
+            <a:endParaRPr lang="en-US" dirty="0"/>
+          </a:p>
+        </p:txBody>
+      </p:sp>
+    </p:spTree>
+    <p:extLst>
+      <p:ext uri="{BB962C8B-B14F-4D97-AF65-F5344CB8AC3E}">
+        <p14:creationId xmlns:p14="http://schemas.microsoft.com/office/powerpoint/2010/main" val="596398698"/>
+      </p:ext>
+    </p:extLst>
+  </p:cSld>
+  <p:clrMapOvr>
+    <a:masterClrMapping/>
+  </p:clrMapOvr>
+</p:sld>
+</file>
+
+<file path=ppt/slides/slide5.xml><?xml version="1.0" encoding="utf-8"?>
+<p:sld xmlns:a="http://schemas.openxmlformats.org/drawingml/2006/main" xmlns:r="http://schemas.openxmlformats.org/officeDocument/2006/relationships" xmlns:p="http://schemas.openxmlformats.org/presentationml/2006/main">
+  <p:cSld>
+    <p:spTree>
+      <p:nvGrpSpPr>
+        <p:cNvPr id="1" name=""/>
+        <p:cNvGrpSpPr/>
+        <p:nvPr/>
+      </p:nvGrpSpPr>
+      <p:grpSpPr>
+        <a:xfrm>
+          <a:off x="0" y="0"/>
+          <a:ext cx="0" cy="0"/>
+          <a:chOff x="0" y="0"/>
+          <a:chExt cx="0" cy="0"/>
+        </a:xfrm>
+      </p:grpSpPr>
+      <p:sp>
+        <p:nvSpPr>
+          <p:cNvPr id="2" name="Title 1">
+            <a:extLst>
+              <a:ext uri="{FF2B5EF4-FFF2-40B4-BE49-F238E27FC236}">
+                <a16:creationId xmlns:a16="http://schemas.microsoft.com/office/drawing/2014/main" id="{75A384C7-2065-EB4A-BF96-4081F8246C94}"/>
+              </a:ext>
+            </a:extLst>
+          </p:cNvPr>
+          <p:cNvSpPr>
+            <a:spLocks noGrp="1"/>
+          </p:cNvSpPr>
+          <p:nvPr>
+            <p:ph type="title"/>
+          </p:nvPr>
+        </p:nvSpPr>
+        <p:spPr>
+          <a:xfrm>
+            <a:off x="1143001" y="59501"/>
+            <a:ext cx="9905998" cy="1478570"/>
+          </a:xfrm>
+        </p:spPr>
+        <p:txBody>
+          <a:bodyPr/>
+          <a:lstStyle/>
+          <a:p>
+            <a:r>
+              <a:rPr lang="en-US" dirty="0"/>
+              <a:t>Plot of moving average model on MMM</a:t>
+            </a:r>
+          </a:p>
+        </p:txBody>
+      </p:sp>
+      <p:pic>
+        <p:nvPicPr>
+          <p:cNvPr id="5" name="Picture 4" descr="Chart, line chart&#10;&#10;Description automatically generated">
+            <a:extLst>
+              <a:ext uri="{FF2B5EF4-FFF2-40B4-BE49-F238E27FC236}">
+                <a16:creationId xmlns:a16="http://schemas.microsoft.com/office/drawing/2014/main" id="{8139E403-7C26-5842-A99F-97A582817181}"/>
+              </a:ext>
+            </a:extLst>
+          </p:cNvPr>
+          <p:cNvPicPr>
+            <a:picLocks noChangeAspect="1"/>
+          </p:cNvPicPr>
+          <p:nvPr/>
+        </p:nvPicPr>
+        <p:blipFill>
+          <a:blip r:embed="rId2"/>
+          <a:stretch>
+            <a:fillRect/>
+          </a:stretch>
+        </p:blipFill>
+        <p:spPr>
+          <a:xfrm>
+            <a:off x="-683171" y="798786"/>
+            <a:ext cx="13537324" cy="6161072"/>
+          </a:xfrm>
+          <a:prstGeom prst="rect">
+            <a:avLst/>
+          </a:prstGeom>
+        </p:spPr>
+      </p:pic>
+    </p:spTree>
+    <p:extLst>
+      <p:ext uri="{BB962C8B-B14F-4D97-AF65-F5344CB8AC3E}">
+        <p14:creationId xmlns:p14="http://schemas.microsoft.com/office/powerpoint/2010/main" val="2764153158"/>
+      </p:ext>
+    </p:extLst>
+  </p:cSld>
+  <p:clrMapOvr>
+    <a:masterClrMapping/>
+  </p:clrMapOvr>
+</p:sld>
+</file>
+
+<file path=ppt/slides/slide6.xml><?xml version="1.0" encoding="utf-8"?>
+<p:sld xmlns:a="http://schemas.openxmlformats.org/drawingml/2006/main" xmlns:r="http://schemas.openxmlformats.org/officeDocument/2006/relationships" xmlns:p="http://schemas.openxmlformats.org/presentationml/2006/main">
+  <p:cSld>
+    <p:spTree>
+      <p:nvGrpSpPr>
+        <p:cNvPr id="1" name=""/>
+        <p:cNvGrpSpPr/>
+        <p:nvPr/>
+      </p:nvGrpSpPr>
+      <p:grpSpPr>
+        <a:xfrm>
+          <a:off x="0" y="0"/>
+          <a:ext cx="0" cy="0"/>
+          <a:chOff x="0" y="0"/>
+          <a:chExt cx="0" cy="0"/>
+        </a:xfrm>
+      </p:grpSpPr>
+      <p:sp>
+        <p:nvSpPr>
+          <p:cNvPr id="2" name="Title 1">
+            <a:extLst>
+              <a:ext uri="{FF2B5EF4-FFF2-40B4-BE49-F238E27FC236}">
+                <a16:creationId xmlns:a16="http://schemas.microsoft.com/office/drawing/2014/main" id="{662210CE-B768-AD43-9C9F-7896BD506DEC}"/>
+              </a:ext>
+            </a:extLst>
+          </p:cNvPr>
+          <p:cNvSpPr>
+            <a:spLocks noGrp="1"/>
+          </p:cNvSpPr>
+          <p:nvPr>
+            <p:ph type="title"/>
+          </p:nvPr>
+        </p:nvSpPr>
+        <p:spPr/>
+        <p:txBody>
+          <a:bodyPr/>
+          <a:lstStyle/>
+          <a:p>
+            <a:r>
+              <a:rPr lang="en-US" dirty="0"/>
+              <a:t>Plot of DOUBLE exponential moving average on mmm</a:t>
+            </a:r>
+          </a:p>
+        </p:txBody>
+      </p:sp>
+      <p:pic>
+        <p:nvPicPr>
+          <p:cNvPr id="4" name="Picture 3" descr="Chart, line chart&#10;&#10;Description automatically generated">
+            <a:extLst>
+              <a:ext uri="{FF2B5EF4-FFF2-40B4-BE49-F238E27FC236}">
+                <a16:creationId xmlns:a16="http://schemas.microsoft.com/office/drawing/2014/main" id="{B64DB459-8D8F-C348-B5C4-408819332FCB}"/>
+              </a:ext>
+            </a:extLst>
+          </p:cNvPr>
+          <p:cNvPicPr>
+            <a:picLocks noChangeAspect="1"/>
+          </p:cNvPicPr>
+          <p:nvPr/>
+        </p:nvPicPr>
+        <p:blipFill>
+          <a:blip r:embed="rId2"/>
+          <a:stretch>
+            <a:fillRect/>
+          </a:stretch>
+        </p:blipFill>
+        <p:spPr>
+          <a:xfrm>
+            <a:off x="-1588" y="1357803"/>
+            <a:ext cx="12192000" cy="5737412"/>
+          </a:xfrm>
+          <a:prstGeom prst="rect">
+            <a:avLst/>
+          </a:prstGeom>
+        </p:spPr>
+      </p:pic>
+    </p:spTree>
+    <p:extLst>
+      <p:ext uri="{BB962C8B-B14F-4D97-AF65-F5344CB8AC3E}">
+        <p14:creationId xmlns:p14="http://schemas.microsoft.com/office/powerpoint/2010/main" val="563171634"/>
+      </p:ext>
+    </p:extLst>
+  </p:cSld>
+  <p:clrMapOvr>
+    <a:masterClrMapping/>
+  </p:clrMapOvr>
+</p:sld>
+</file>
+
+<file path=ppt/slides/slide7.xml><?xml version="1.0" encoding="utf-8"?>
+<p:sld xmlns:a="http://schemas.openxmlformats.org/drawingml/2006/main" xmlns:r="http://schemas.openxmlformats.org/officeDocument/2006/relationships" xmlns:p="http://schemas.openxmlformats.org/presentationml/2006/main">
+  <p:cSld>
+    <p:spTree>
+      <p:nvGrpSpPr>
+        <p:cNvPr id="1" name=""/>
+        <p:cNvGrpSpPr/>
+        <p:nvPr/>
+      </p:nvGrpSpPr>
+      <p:grpSpPr>
+        <a:xfrm>
+          <a:off x="0" y="0"/>
+          <a:ext cx="0" cy="0"/>
+          <a:chOff x="0" y="0"/>
+          <a:chExt cx="0" cy="0"/>
+        </a:xfrm>
+      </p:grpSpPr>
+      <p:sp>
+        <p:nvSpPr>
+          <p:cNvPr id="3" name="Content Placeholder 2">
+            <a:extLst>
+              <a:ext uri="{FF2B5EF4-FFF2-40B4-BE49-F238E27FC236}">
+                <a16:creationId xmlns:a16="http://schemas.microsoft.com/office/drawing/2014/main" id="{A9ED3668-7F25-D04E-9101-851C3329D204}"/>
+              </a:ext>
+            </a:extLst>
+          </p:cNvPr>
+          <p:cNvSpPr>
+            <a:spLocks noGrp="1"/>
+          </p:cNvSpPr>
+          <p:nvPr>
+            <p:ph idx="1"/>
+          </p:nvPr>
+        </p:nvSpPr>
+        <p:spPr/>
+        <p:txBody>
+          <a:bodyPr>
+            <a:normAutofit/>
+          </a:bodyPr>
+          <a:lstStyle/>
+          <a:p>
+            <a:r>
+              <a:rPr lang="en-US" dirty="0"/>
+              <a:t>ARIMA(A</a:t>
+            </a:r>
+            <a:r>
+              <a:rPr lang="en-US" b="1" dirty="0"/>
+              <a:t>utoregressive integrated moving average)</a:t>
+            </a:r>
+          </a:p>
+          <a:p>
+            <a:pPr lvl="1"/>
+            <a:r>
+              <a:rPr lang="en-US" b="1" dirty="0"/>
+              <a:t>Linear regression model that accounts for the moving average.</a:t>
+            </a:r>
+          </a:p>
+          <a:p>
+            <a:pPr lvl="1" fontAlgn="base"/>
+            <a:r>
+              <a:rPr lang="en-US" b="1" dirty="0"/>
+              <a:t>p</a:t>
+            </a:r>
+            <a:r>
+              <a:rPr lang="en-US" dirty="0"/>
+              <a:t>: The lag order.</a:t>
+            </a:r>
+          </a:p>
+          <a:p>
+            <a:pPr lvl="1" fontAlgn="base"/>
+            <a:r>
+              <a:rPr lang="en-US" b="1" dirty="0"/>
+              <a:t>d</a:t>
+            </a:r>
+            <a:r>
+              <a:rPr lang="en-US" dirty="0"/>
+              <a:t>: Degree of differencing.</a:t>
+            </a:r>
+          </a:p>
+          <a:p>
+            <a:pPr lvl="1" fontAlgn="base"/>
+            <a:r>
+              <a:rPr lang="en-US" b="1" dirty="0"/>
+              <a:t>q</a:t>
+            </a:r>
+            <a:r>
+              <a:rPr lang="en-US" dirty="0"/>
+              <a:t>: The size of the moving average window.</a:t>
+            </a:r>
+          </a:p>
+          <a:p>
+            <a:pPr lvl="1"/>
+            <a:endParaRPr lang="en-US" dirty="0"/>
+          </a:p>
+          <a:p>
+            <a:pPr marL="0" indent="0">
+              <a:buNone/>
+            </a:pPr>
+            <a:endParaRPr lang="en-US" dirty="0"/>
+          </a:p>
+          <a:p>
+            <a:endParaRPr lang="en-US" dirty="0"/>
+          </a:p>
+        </p:txBody>
+      </p:sp>
+    </p:spTree>
+    <p:extLst>
+      <p:ext uri="{BB962C8B-B14F-4D97-AF65-F5344CB8AC3E}">
+        <p14:creationId xmlns:p14="http://schemas.microsoft.com/office/powerpoint/2010/main" val="2370078161"/>
+      </p:ext>
+    </p:extLst>
+  </p:cSld>
+  <p:clrMapOvr>
+    <a:masterClrMapping/>
+  </p:clrMapOvr>
+</p:sld>
+</file>
+
+<file path=ppt/slides/slide8.xml><?xml version="1.0" encoding="utf-8"?>
+<p:sld xmlns:a="http://schemas.openxmlformats.org/drawingml/2006/main" xmlns:r="http://schemas.openxmlformats.org/officeDocument/2006/relationships" xmlns:p="http://schemas.openxmlformats.org/presentationml/2006/main">
+  <p:cSld>
+    <p:spTree>
+      <p:nvGrpSpPr>
+        <p:cNvPr id="1" name=""/>
+        <p:cNvGrpSpPr/>
+        <p:nvPr/>
+      </p:nvGrpSpPr>
+      <p:grpSpPr>
+        <a:xfrm>
+          <a:off x="0" y="0"/>
+          <a:ext cx="0" cy="0"/>
+          <a:chOff x="0" y="0"/>
+          <a:chExt cx="0" cy="0"/>
+        </a:xfrm>
+      </p:grpSpPr>
+      <p:sp>
+        <p:nvSpPr>
+          <p:cNvPr id="2" name="Title 1">
+            <a:extLst>
+              <a:ext uri="{FF2B5EF4-FFF2-40B4-BE49-F238E27FC236}">
+                <a16:creationId xmlns:a16="http://schemas.microsoft.com/office/drawing/2014/main" id="{901F4F92-61FC-9E41-8F97-8C1654F55E9E}"/>
+              </a:ext>
+            </a:extLst>
+          </p:cNvPr>
+          <p:cNvSpPr>
+            <a:spLocks noGrp="1"/>
+          </p:cNvSpPr>
+          <p:nvPr>
+            <p:ph type="title"/>
+          </p:nvPr>
+        </p:nvSpPr>
+        <p:spPr>
+          <a:xfrm>
+            <a:off x="1141413" y="0"/>
+            <a:ext cx="9905998" cy="1478570"/>
+          </a:xfrm>
+        </p:spPr>
+        <p:txBody>
+          <a:bodyPr/>
+          <a:lstStyle/>
+          <a:p>
+            <a:r>
+              <a:rPr lang="en-US" dirty="0"/>
+              <a:t>Plot of </a:t>
+            </a:r>
+            <a:r>
+              <a:rPr lang="en-US" dirty="0" err="1"/>
+              <a:t>arima</a:t>
+            </a:r>
+            <a:r>
+              <a:rPr lang="en-US" dirty="0"/>
+              <a:t> on bitcoin data</a:t>
+            </a:r>
+          </a:p>
+        </p:txBody>
+      </p:sp>
+      <p:pic>
+        <p:nvPicPr>
+          <p:cNvPr id="5" name="Picture 4" descr="Chart, line chart&#10;&#10;Description automatically generated">
+            <a:extLst>
+              <a:ext uri="{FF2B5EF4-FFF2-40B4-BE49-F238E27FC236}">
+                <a16:creationId xmlns:a16="http://schemas.microsoft.com/office/drawing/2014/main" id="{5951D21E-603F-E547-8F9B-37018EBB3CA8}"/>
+              </a:ext>
+            </a:extLst>
+          </p:cNvPr>
+          <p:cNvPicPr>
+            <a:picLocks noChangeAspect="1"/>
+          </p:cNvPicPr>
+          <p:nvPr/>
+        </p:nvPicPr>
+        <p:blipFill>
+          <a:blip r:embed="rId2"/>
+          <a:stretch>
+            <a:fillRect/>
+          </a:stretch>
+        </p:blipFill>
+        <p:spPr>
+          <a:xfrm>
+            <a:off x="0" y="1133960"/>
+            <a:ext cx="12192000" cy="5724040"/>
+          </a:xfrm>
+          <a:prstGeom prst="rect">
+            <a:avLst/>
+          </a:prstGeom>
+        </p:spPr>
+      </p:pic>
+    </p:spTree>
+    <p:extLst>
+      <p:ext uri="{BB962C8B-B14F-4D97-AF65-F5344CB8AC3E}">
+        <p14:creationId xmlns:p14="http://schemas.microsoft.com/office/powerpoint/2010/main" val="3761473724"/>
+      </p:ext>
+    </p:extLst>
+  </p:cSld>
+  <p:clrMapOvr>
+    <a:masterClrMapping/>
+  </p:clrMapOvr>
+</p:sld>
+</file>
+
+<file path=ppt/slides/slide9.xml><?xml version="1.0" encoding="utf-8"?>
+<p:sld xmlns:a="http://schemas.openxmlformats.org/drawingml/2006/main" xmlns:r="http://schemas.openxmlformats.org/officeDocument/2006/relationships" xmlns:p="http://schemas.openxmlformats.org/presentationml/2006/main">
+  <p:cSld>
+    <p:spTree>
+      <p:nvGrpSpPr>
+        <p:cNvPr id="1" name=""/>
+        <p:cNvGrpSpPr/>
+        <p:nvPr/>
+      </p:nvGrpSpPr>
+      <p:grpSpPr>
+        <a:xfrm>
+          <a:off x="0" y="0"/>
+          <a:ext cx="0" cy="0"/>
+          <a:chOff x="0" y="0"/>
+          <a:chExt cx="0" cy="0"/>
+        </a:xfrm>
+      </p:grpSpPr>
+      <p:sp>
+        <p:nvSpPr>
+          <p:cNvPr id="2" name="Title 1">
+            <a:extLst>
+              <a:ext uri="{FF2B5EF4-FFF2-40B4-BE49-F238E27FC236}">
+                <a16:creationId xmlns:a16="http://schemas.microsoft.com/office/drawing/2014/main" id="{30D6BE0A-6D87-2846-87E0-43B22F75BC91}"/>
+              </a:ext>
+            </a:extLst>
+          </p:cNvPr>
+          <p:cNvSpPr>
+            <a:spLocks noGrp="1"/>
+          </p:cNvSpPr>
+          <p:nvPr>
+            <p:ph type="title"/>
+          </p:nvPr>
+        </p:nvSpPr>
+        <p:spPr/>
+        <p:txBody>
+          <a:bodyPr/>
+          <a:lstStyle/>
+          <a:p>
+            <a:r>
+              <a:rPr lang="en-US" dirty="0"/>
+              <a:t>SARIMA</a:t>
+            </a:r>
+          </a:p>
+        </p:txBody>
+      </p:sp>
+      <p:sp>
+        <p:nvSpPr>
+          <p:cNvPr id="3" name="Content Placeholder 2">
+            <a:extLst>
+              <a:ext uri="{FF2B5EF4-FFF2-40B4-BE49-F238E27FC236}">
+                <a16:creationId xmlns:a16="http://schemas.microsoft.com/office/drawing/2014/main" id="{F8A02607-2C40-CD45-9E29-D1B9C51C49DC}"/>
+              </a:ext>
+            </a:extLst>
+          </p:cNvPr>
+          <p:cNvSpPr>
+            <a:spLocks noGrp="1"/>
+          </p:cNvSpPr>
+          <p:nvPr>
+            <p:ph idx="1"/>
+          </p:nvPr>
+        </p:nvSpPr>
+        <p:spPr/>
+        <p:txBody>
+          <a:bodyPr/>
+          <a:lstStyle/>
+          <a:p>
+            <a:r>
+              <a:rPr lang="en-US" dirty="0"/>
+              <a:t>Seasonal ARIMA, adds 4 new hyperparameters.</a:t>
+            </a:r>
+          </a:p>
+          <a:p>
+            <a:pPr lvl="1" fontAlgn="base"/>
+            <a:r>
+              <a:rPr lang="en-US" b="1" dirty="0"/>
+              <a:t>P</a:t>
+            </a:r>
+            <a:r>
+              <a:rPr lang="en-US" dirty="0"/>
+              <a:t>: Seasonal autoregressive order.</a:t>
+            </a:r>
+          </a:p>
+          <a:p>
+            <a:pPr lvl="1" fontAlgn="base"/>
+            <a:r>
+              <a:rPr lang="en-US" b="1" dirty="0"/>
+              <a:t>D</a:t>
+            </a:r>
+            <a:r>
+              <a:rPr lang="en-US" dirty="0"/>
+              <a:t>: Seasonal difference order.</a:t>
+            </a:r>
+          </a:p>
+          <a:p>
+            <a:pPr lvl="1" fontAlgn="base"/>
+            <a:r>
+              <a:rPr lang="en-US" b="1" dirty="0"/>
+              <a:t>Q</a:t>
+            </a:r>
+            <a:r>
+              <a:rPr lang="en-US" dirty="0"/>
+              <a:t>: Seasonal moving average order.</a:t>
+            </a:r>
+          </a:p>
+          <a:p>
+            <a:pPr lvl="1" fontAlgn="base"/>
+            <a:r>
+              <a:rPr lang="en-US" b="1" dirty="0"/>
+              <a:t>m</a:t>
+            </a:r>
+            <a:r>
+              <a:rPr lang="en-US" dirty="0"/>
+              <a:t>: The number of time steps for a single seasonal period.</a:t>
+            </a:r>
+          </a:p>
+          <a:p>
+            <a:pPr marL="457200" lvl="1" indent="0" fontAlgn="base">
+              <a:buNone/>
+            </a:pPr>
+            <a:r>
+              <a:rPr lang="en-US" sz="3200" dirty="0"/>
+              <a:t>SARIMA(</a:t>
+            </a:r>
+            <a:r>
+              <a:rPr lang="en-US" sz="3200" dirty="0" err="1"/>
+              <a:t>p,d,q</a:t>
+            </a:r>
+            <a:r>
+              <a:rPr lang="en-US" sz="3200" dirty="0"/>
+              <a:t>)(P,D,Q)m</a:t>
+            </a:r>
+          </a:p>
+        </p:txBody>
+      </p:sp>
+      <p:sp>
+        <p:nvSpPr>
+          <p:cNvPr id="5" name="Rectangle 1">
+            <a:extLst>
+              <a:ext uri="{FF2B5EF4-FFF2-40B4-BE49-F238E27FC236}">
+                <a16:creationId xmlns:a16="http://schemas.microsoft.com/office/drawing/2014/main" id="{84F4BE7A-455A-6248-92DB-52EA7204B9F7}"/>
+              </a:ext>
+            </a:extLst>
+          </p:cNvPr>
+          <p:cNvSpPr>
+            <a:spLocks noChangeArrowheads="1"/>
+          </p:cNvSpPr>
+          <p:nvPr/>
+        </p:nvSpPr>
+        <p:spPr bwMode="auto">
+          <a:xfrm>
+            <a:off x="3046413" y="3836988"/>
+            <a:ext cx="174625" cy="0"/>
+          </a:xfrm>
+          <a:prstGeom prst="rect">
+            <a:avLst/>
+          </a:prstGeom>
+          <a:solidFill>
+            <a:srgbClr val="BCBCBC"/>
+          </a:solidFill>
+          <a:ln>
+            <a:noFill/>
+          </a:ln>
+          <a:effectLst/>
+          <a:extLst>
+            <a:ext uri="{91240B29-F687-4F45-9708-019B960494DF}">
+              <a14:hiddenLine xmlns:a14="http://schemas.microsoft.com/office/drawing/2010/main" w="9525">
+                <a:solidFill>
+                  <a:schemeClr val="tx1"/>
+                </a:solidFill>
+                <a:miter lim="800000"/>
+                <a:headEnd/>
+                <a:tailEnd/>
+              </a14:hiddenLine>
+            </a:ext>
+            <a:ext uri="{AF507438-7753-43E0-B8FC-AC1667EBCBE1}">
+              <a14:hiddenEffects xmlns:a14="http://schemas.microsoft.com/office/drawing/2010/main">
+                <a:effectLst>
+                  <a:outerShdw dist="35921" dir="2700000" algn="ctr" rotWithShape="0">
+                    <a:schemeClr val="bg2"/>
+                  </a:outerShdw>
+                </a:effectLst>
+              </a14:hiddenEffects>
+            </a:ext>
+          </a:extLst>
+        </p:spPr>
+        <p:txBody>
+          <a:bodyPr vert="horz" wrap="none" lIns="0" tIns="0" rIns="0" bIns="0" numCol="1" anchor="ctr" anchorCtr="0" compatLnSpc="1">
+            <a:prstTxWarp prst="textNoShape">
+              <a:avLst/>
+            </a:prstTxWarp>
+            <a:spAutoFit/>
+          </a:bodyPr>
+          <a:lstStyle/>
+          <a:p>
+            <a:pPr marL="0" marR="0" lvl="0" indent="0" algn="l" defTabSz="914400" rtl="0" eaLnBrk="0" fontAlgn="base" latinLnBrk="0" hangingPunct="0">
+              <a:lnSpc>
+                <a:spcPct val="100000"/>
+              </a:lnSpc>
+              <a:spcBef>
+                <a:spcPct val="0"/>
+              </a:spcBef>
+              <a:spcAft>
+                <a:spcPct val="0"/>
+              </a:spcAft>
+              <a:buClrTx/>
+              <a:buSzTx/>
+              <a:buFontTx/>
+              <a:buNone/>
+              <a:tabLst/>
+            </a:pPr>
+            <a:br>
+              <a:rPr kumimoji="0" lang="en-US" altLang="en-US" sz="900" b="0" i="0" u="none" strike="noStrike" cap="none" normalizeH="0" baseline="0">
+                <a:ln>
+                  <a:noFill/>
+                </a:ln>
+                <a:solidFill>
+                  <a:srgbClr val="FFFFFF"/>
+                </a:solidFill>
+                <a:effectLst/>
+                <a:latin typeface="Arial" panose="020B0604020202020204" pitchFamily="34" charset="0"/>
+                <a:ea typeface="inherit"/>
+              </a:rPr>
+            </a:br>
+            <a:endParaRPr kumimoji="0" lang="en-US" altLang="en-US" sz="900" b="0" i="0" u="none" strike="noStrike" cap="none" normalizeH="0" baseline="0">
+              <a:ln>
+                <a:noFill/>
+              </a:ln>
+              <a:solidFill>
+                <a:srgbClr val="FFFFFF"/>
+              </a:solidFill>
+              <a:effectLst/>
+              <a:latin typeface="Arial" panose="020B0604020202020204" pitchFamily="34" charset="0"/>
+              <a:ea typeface="inherit"/>
+            </a:endParaRPr>
+          </a:p>
+          <a:p>
+            <a:pPr marL="0" marR="0" lvl="0" indent="0" algn="l" defTabSz="914400" rtl="0" eaLnBrk="0" fontAlgn="base" latinLnBrk="0" hangingPunct="0">
+              <a:lnSpc>
+                <a:spcPct val="100000"/>
+              </a:lnSpc>
+              <a:spcBef>
+                <a:spcPct val="0"/>
+              </a:spcBef>
+              <a:spcAft>
+                <a:spcPct val="0"/>
+              </a:spcAft>
+              <a:buClrTx/>
+              <a:buSzTx/>
+              <a:buFontTx/>
+              <a:buNone/>
+              <a:tabLst/>
+            </a:pPr>
+            <a:endParaRPr kumimoji="0" lang="en-US" altLang="en-US" sz="1800" b="0" i="0" u="none" strike="noStrike" cap="none" normalizeH="0" baseline="0">
+              <a:ln>
+                <a:noFill/>
+              </a:ln>
+              <a:solidFill>
+                <a:schemeClr val="tx1"/>
+              </a:solidFill>
+              <a:effectLst/>
+              <a:latin typeface="Arial" panose="020B0604020202020204" pitchFamily="34" charset="0"/>
+            </a:endParaRPr>
+          </a:p>
+        </p:txBody>
+      </p:sp>
+    </p:spTree>
+    <p:extLst>
+      <p:ext uri="{BB962C8B-B14F-4D97-AF65-F5344CB8AC3E}">
+        <p14:creationId xmlns:p14="http://schemas.microsoft.com/office/powerpoint/2010/main" val="2905868518"/>
       </p:ext>
     </p:extLst>
   </p:cSld>
